--- a/Phishing_URL_detector_naan_mudhalvan.pptx
+++ b/Phishing_URL_detector_naan_mudhalvan.pptx
@@ -218,7 +218,7 @@
           <a:p>
             <a:fld id="{46256A78-79A6-408F-8148-4F87BB81602D}" type="datetimeFigureOut">
               <a:rPr lang="en-IN" smtClean="0"/>
-              <a:t>04-04-2024</a:t>
+              <a:t>05-04-2024</a:t>
             </a:fld>
             <a:endParaRPr lang="en-IN"/>
           </a:p>
@@ -1292,7 +1292,7 @@
           <a:p>
             <a:fld id="{ED291B17-9318-49DB-B28B-6E5994AE9581}" type="datetime1">
               <a:rPr lang="en-US" smtClean="0"/>
-              <a:t>4/4/2024</a:t>
+              <a:t>4/5/2024</a:t>
             </a:fld>
             <a:endParaRPr lang="en-US"/>
           </a:p>
@@ -1543,7 +1543,7 @@
           <a:p>
             <a:fld id="{ED291B17-9318-49DB-B28B-6E5994AE9581}" type="datetime1">
               <a:rPr lang="en-US" smtClean="0"/>
-              <a:t>4/4/2024</a:t>
+              <a:t>4/5/2024</a:t>
             </a:fld>
             <a:endParaRPr lang="en-US"/>
           </a:p>
@@ -1858,7 +1858,7 @@
           <a:p>
             <a:fld id="{ED291B17-9318-49DB-B28B-6E5994AE9581}" type="datetime1">
               <a:rPr lang="en-US" smtClean="0"/>
-              <a:t>4/4/2024</a:t>
+              <a:t>4/5/2024</a:t>
             </a:fld>
             <a:endParaRPr lang="en-US"/>
           </a:p>
@@ -2200,7 +2200,7 @@
           <a:p>
             <a:fld id="{ED291B17-9318-49DB-B28B-6E5994AE9581}" type="datetime1">
               <a:rPr lang="en-US" smtClean="0"/>
-              <a:t>4/4/2024</a:t>
+              <a:t>4/5/2024</a:t>
             </a:fld>
             <a:endParaRPr lang="en-US"/>
           </a:p>
@@ -2515,7 +2515,7 @@
           <a:p>
             <a:fld id="{ED291B17-9318-49DB-B28B-6E5994AE9581}" type="datetime1">
               <a:rPr lang="en-US" smtClean="0"/>
-              <a:t>4/4/2024</a:t>
+              <a:t>4/5/2024</a:t>
             </a:fld>
             <a:endParaRPr lang="en-US"/>
           </a:p>
@@ -2909,7 +2909,7 @@
           <a:p>
             <a:fld id="{ED291B17-9318-49DB-B28B-6E5994AE9581}" type="datetime1">
               <a:rPr lang="en-US" smtClean="0"/>
-              <a:t>4/4/2024</a:t>
+              <a:t>4/5/2024</a:t>
             </a:fld>
             <a:endParaRPr lang="en-US"/>
           </a:p>
@@ -3080,7 +3080,7 @@
           <a:p>
             <a:fld id="{2CED4963-E985-44C4-B8C4-FDD613B7C2F8}" type="datetime1">
               <a:rPr lang="en-US" smtClean="0"/>
-              <a:t>4/4/2024</a:t>
+              <a:t>4/5/2024</a:t>
             </a:fld>
             <a:endParaRPr lang="en-US"/>
           </a:p>
@@ -3260,7 +3260,7 @@
           <a:p>
             <a:fld id="{ED291B17-9318-49DB-B28B-6E5994AE9581}" type="datetime1">
               <a:rPr lang="en-US" smtClean="0"/>
-              <a:t>4/4/2024</a:t>
+              <a:t>4/5/2024</a:t>
             </a:fld>
             <a:endParaRPr lang="en-US"/>
           </a:p>
@@ -3436,7 +3436,7 @@
           <a:p>
             <a:fld id="{78DD82B9-B8EE-4375-B6FF-88FA6ABB15D9}" type="datetime1">
               <a:rPr lang="en-US" smtClean="0"/>
-              <a:t>4/4/2024</a:t>
+              <a:t>4/5/2024</a:t>
             </a:fld>
             <a:endParaRPr lang="en-US"/>
           </a:p>
@@ -3684,7 +3684,7 @@
           <a:p>
             <a:fld id="{B2497495-0637-405E-AE64-5CC7506D51F5}" type="datetime1">
               <a:rPr lang="en-US" smtClean="0"/>
-              <a:t>4/4/2024</a:t>
+              <a:t>4/5/2024</a:t>
             </a:fld>
             <a:endParaRPr lang="en-US"/>
           </a:p>
@@ -3916,7 +3916,7 @@
           <a:p>
             <a:fld id="{7BFFD690-9426-415D-8B65-26881E07B2D4}" type="datetime1">
               <a:rPr lang="en-US" smtClean="0"/>
-              <a:t>4/4/2024</a:t>
+              <a:t>4/5/2024</a:t>
             </a:fld>
             <a:endParaRPr lang="en-US"/>
           </a:p>
@@ -4290,7 +4290,7 @@
           <a:p>
             <a:fld id="{04C4989A-474C-40DE-95B9-011C28B71673}" type="datetime1">
               <a:rPr lang="en-US" smtClean="0"/>
-              <a:t>4/4/2024</a:t>
+              <a:t>4/5/2024</a:t>
             </a:fld>
             <a:endParaRPr lang="en-US"/>
           </a:p>
@@ -4413,7 +4413,7 @@
           <a:p>
             <a:fld id="{5DB4ED54-5B5E-4A04-93D3-5772E3CE3818}" type="datetime1">
               <a:rPr lang="en-US" smtClean="0"/>
-              <a:t>4/4/2024</a:t>
+              <a:t>4/5/2024</a:t>
             </a:fld>
             <a:endParaRPr lang="en-US"/>
           </a:p>
@@ -4508,7 +4508,7 @@
           <a:p>
             <a:fld id="{4EDE50D6-574B-40AF-946F-D52A04ADE379}" type="datetime1">
               <a:rPr lang="en-US" smtClean="0"/>
-              <a:t>4/4/2024</a:t>
+              <a:t>4/5/2024</a:t>
             </a:fld>
             <a:endParaRPr lang="en-US"/>
           </a:p>
@@ -4763,7 +4763,7 @@
           <a:p>
             <a:fld id="{D82884F1-FFEA-405F-9602-3DCA865EDA4E}" type="datetime1">
               <a:rPr lang="en-US" smtClean="0"/>
-              <a:t>4/4/2024</a:t>
+              <a:t>4/5/2024</a:t>
             </a:fld>
             <a:endParaRPr lang="en-US"/>
           </a:p>
@@ -5027,7 +5027,7 @@
           <a:p>
             <a:fld id="{7E18DB4A-8810-4A10-AD5C-D5E2C667F5B3}" type="datetime1">
               <a:rPr lang="en-US" smtClean="0"/>
-              <a:t>4/4/2024</a:t>
+              <a:t>4/5/2024</a:t>
             </a:fld>
             <a:endParaRPr lang="en-US"/>
           </a:p>
@@ -5771,7 +5771,7 @@
           <a:p>
             <a:fld id="{ED291B17-9318-49DB-B28B-6E5994AE9581}" type="datetime1">
               <a:rPr lang="en-US" smtClean="0"/>
-              <a:t>4/4/2024</a:t>
+              <a:t>4/5/2024</a:t>
             </a:fld>
             <a:endParaRPr lang="en-US"/>
           </a:p>
@@ -6471,7 +6471,7 @@
                 <a:latin typeface="Arial"/>
                 <a:cs typeface="Arial"/>
               </a:rPr>
-              <a:t>Name: Vaisaly M</a:t>
+              <a:t>Name: Vaisaly M - 110121104101</a:t>
             </a:r>
           </a:p>
           <a:p>
@@ -6707,55 +6707,6 @@
           </a:p>
         </p:txBody>
       </p:sp>
-      <p:sp>
-        <p:nvSpPr>
-          <p:cNvPr id="2" name="Rectangle 1">
-            <a:extLst>
-              <a:ext uri="{FF2B5EF4-FFF2-40B4-BE49-F238E27FC236}">
-                <a16:creationId xmlns:a16="http://schemas.microsoft.com/office/drawing/2014/main" id="{BE067B3F-1F26-A7EE-65EB-5AABDF58CBA1}"/>
-              </a:ext>
-            </a:extLst>
-          </p:cNvPr>
-          <p:cNvSpPr/>
-          <p:nvPr/>
-        </p:nvSpPr>
-        <p:spPr>
-          <a:xfrm>
-            <a:off x="10218057" y="6357257"/>
-            <a:ext cx="1639163" cy="500743"/>
-          </a:xfrm>
-          <a:prstGeom prst="rect">
-            <a:avLst/>
-          </a:prstGeom>
-          <a:ln>
-            <a:noFill/>
-          </a:ln>
-        </p:spPr>
-        <p:style>
-          <a:lnRef idx="2">
-            <a:schemeClr val="accent1">
-              <a:shade val="15000"/>
-            </a:schemeClr>
-          </a:lnRef>
-          <a:fillRef idx="1">
-            <a:schemeClr val="accent1"/>
-          </a:fillRef>
-          <a:effectRef idx="0">
-            <a:schemeClr val="accent1"/>
-          </a:effectRef>
-          <a:fontRef idx="minor">
-            <a:schemeClr val="lt1"/>
-          </a:fontRef>
-        </p:style>
-        <p:txBody>
-          <a:bodyPr rtlCol="0" anchor="ctr"/>
-          <a:lstStyle/>
-          <a:p>
-            <a:pPr algn="ctr"/>
-            <a:endParaRPr lang="en-US"/>
-          </a:p>
-        </p:txBody>
-      </p:sp>
     </p:spTree>
     <p:extLst>
       <p:ext uri="{BB962C8B-B14F-4D97-AF65-F5344CB8AC3E}">
@@ -6908,55 +6859,6 @@
           </a:p>
         </p:txBody>
       </p:sp>
-      <p:sp>
-        <p:nvSpPr>
-          <p:cNvPr id="3" name="Rectangle 2">
-            <a:extLst>
-              <a:ext uri="{FF2B5EF4-FFF2-40B4-BE49-F238E27FC236}">
-                <a16:creationId xmlns:a16="http://schemas.microsoft.com/office/drawing/2014/main" id="{0E1DE081-06F7-6BD2-5116-4F9A012416B2}"/>
-              </a:ext>
-            </a:extLst>
-          </p:cNvPr>
-          <p:cNvSpPr/>
-          <p:nvPr/>
-        </p:nvSpPr>
-        <p:spPr>
-          <a:xfrm>
-            <a:off x="10218057" y="6357257"/>
-            <a:ext cx="1639163" cy="500743"/>
-          </a:xfrm>
-          <a:prstGeom prst="rect">
-            <a:avLst/>
-          </a:prstGeom>
-          <a:ln>
-            <a:noFill/>
-          </a:ln>
-        </p:spPr>
-        <p:style>
-          <a:lnRef idx="2">
-            <a:schemeClr val="accent1">
-              <a:shade val="15000"/>
-            </a:schemeClr>
-          </a:lnRef>
-          <a:fillRef idx="1">
-            <a:schemeClr val="accent1"/>
-          </a:fillRef>
-          <a:effectRef idx="0">
-            <a:schemeClr val="accent1"/>
-          </a:effectRef>
-          <a:fontRef idx="minor">
-            <a:schemeClr val="lt1"/>
-          </a:fontRef>
-        </p:style>
-        <p:txBody>
-          <a:bodyPr rtlCol="0" anchor="ctr"/>
-          <a:lstStyle/>
-          <a:p>
-            <a:pPr algn="ctr"/>
-            <a:endParaRPr lang="en-US"/>
-          </a:p>
-        </p:txBody>
-      </p:sp>
     </p:spTree>
     <p:extLst>
       <p:ext uri="{BB962C8B-B14F-4D97-AF65-F5344CB8AC3E}">
@@ -7029,55 +6931,6 @@
           </a:p>
         </p:txBody>
       </p:sp>
-      <p:sp>
-        <p:nvSpPr>
-          <p:cNvPr id="2" name="Rectangle 1">
-            <a:extLst>
-              <a:ext uri="{FF2B5EF4-FFF2-40B4-BE49-F238E27FC236}">
-                <a16:creationId xmlns:a16="http://schemas.microsoft.com/office/drawing/2014/main" id="{FC1BA71B-4345-FCFA-DE20-5F0CA1347F65}"/>
-              </a:ext>
-            </a:extLst>
-          </p:cNvPr>
-          <p:cNvSpPr/>
-          <p:nvPr/>
-        </p:nvSpPr>
-        <p:spPr>
-          <a:xfrm>
-            <a:off x="10218057" y="6357257"/>
-            <a:ext cx="1639163" cy="500743"/>
-          </a:xfrm>
-          <a:prstGeom prst="rect">
-            <a:avLst/>
-          </a:prstGeom>
-          <a:ln>
-            <a:noFill/>
-          </a:ln>
-        </p:spPr>
-        <p:style>
-          <a:lnRef idx="2">
-            <a:schemeClr val="accent1">
-              <a:shade val="15000"/>
-            </a:schemeClr>
-          </a:lnRef>
-          <a:fillRef idx="1">
-            <a:schemeClr val="accent1"/>
-          </a:fillRef>
-          <a:effectRef idx="0">
-            <a:schemeClr val="accent1"/>
-          </a:effectRef>
-          <a:fontRef idx="minor">
-            <a:schemeClr val="lt1"/>
-          </a:fontRef>
-        </p:style>
-        <p:txBody>
-          <a:bodyPr rtlCol="0" anchor="ctr"/>
-          <a:lstStyle/>
-          <a:p>
-            <a:pPr algn="ctr"/>
-            <a:endParaRPr lang="en-US"/>
-          </a:p>
-        </p:txBody>
-      </p:sp>
     </p:spTree>
     <p:extLst>
       <p:ext uri="{BB962C8B-B14F-4D97-AF65-F5344CB8AC3E}">
@@ -7323,55 +7176,6 @@
           </a:p>
         </p:txBody>
       </p:sp>
-      <p:sp>
-        <p:nvSpPr>
-          <p:cNvPr id="5" name="Rectangle 4">
-            <a:extLst>
-              <a:ext uri="{FF2B5EF4-FFF2-40B4-BE49-F238E27FC236}">
-                <a16:creationId xmlns:a16="http://schemas.microsoft.com/office/drawing/2014/main" id="{6AB2598B-D208-933B-5B53-003A31206E3D}"/>
-              </a:ext>
-            </a:extLst>
-          </p:cNvPr>
-          <p:cNvSpPr/>
-          <p:nvPr/>
-        </p:nvSpPr>
-        <p:spPr>
-          <a:xfrm>
-            <a:off x="10218057" y="6357257"/>
-            <a:ext cx="1639163" cy="500743"/>
-          </a:xfrm>
-          <a:prstGeom prst="rect">
-            <a:avLst/>
-          </a:prstGeom>
-          <a:ln>
-            <a:noFill/>
-          </a:ln>
-        </p:spPr>
-        <p:style>
-          <a:lnRef idx="2">
-            <a:schemeClr val="accent1">
-              <a:shade val="15000"/>
-            </a:schemeClr>
-          </a:lnRef>
-          <a:fillRef idx="1">
-            <a:schemeClr val="accent1"/>
-          </a:fillRef>
-          <a:effectRef idx="0">
-            <a:schemeClr val="accent1"/>
-          </a:effectRef>
-          <a:fontRef idx="minor">
-            <a:schemeClr val="lt1"/>
-          </a:fontRef>
-        </p:style>
-        <p:txBody>
-          <a:bodyPr rtlCol="0" anchor="ctr"/>
-          <a:lstStyle/>
-          <a:p>
-            <a:pPr algn="ctr"/>
-            <a:endParaRPr lang="en-US"/>
-          </a:p>
-        </p:txBody>
-      </p:sp>
     </p:spTree>
     <p:extLst>
       <p:ext uri="{BB962C8B-B14F-4D97-AF65-F5344CB8AC3E}">
@@ -7500,55 +7304,6 @@
           </a:p>
         </p:txBody>
       </p:sp>
-      <p:sp>
-        <p:nvSpPr>
-          <p:cNvPr id="3" name="Rectangle 2">
-            <a:extLst>
-              <a:ext uri="{FF2B5EF4-FFF2-40B4-BE49-F238E27FC236}">
-                <a16:creationId xmlns:a16="http://schemas.microsoft.com/office/drawing/2014/main" id="{07743922-EB5F-638D-67BF-86D5A88544A8}"/>
-              </a:ext>
-            </a:extLst>
-          </p:cNvPr>
-          <p:cNvSpPr/>
-          <p:nvPr/>
-        </p:nvSpPr>
-        <p:spPr>
-          <a:xfrm>
-            <a:off x="10218057" y="6357257"/>
-            <a:ext cx="1639163" cy="500743"/>
-          </a:xfrm>
-          <a:prstGeom prst="rect">
-            <a:avLst/>
-          </a:prstGeom>
-          <a:ln>
-            <a:noFill/>
-          </a:ln>
-        </p:spPr>
-        <p:style>
-          <a:lnRef idx="2">
-            <a:schemeClr val="accent1">
-              <a:shade val="15000"/>
-            </a:schemeClr>
-          </a:lnRef>
-          <a:fillRef idx="1">
-            <a:schemeClr val="accent1"/>
-          </a:fillRef>
-          <a:effectRef idx="0">
-            <a:schemeClr val="accent1"/>
-          </a:effectRef>
-          <a:fontRef idx="minor">
-            <a:schemeClr val="lt1"/>
-          </a:fontRef>
-        </p:style>
-        <p:txBody>
-          <a:bodyPr rtlCol="0" anchor="ctr"/>
-          <a:lstStyle/>
-          <a:p>
-            <a:pPr algn="ctr"/>
-            <a:endParaRPr lang="en-US"/>
-          </a:p>
-        </p:txBody>
-      </p:sp>
     </p:spTree>
     <p:extLst>
       <p:ext uri="{BB962C8B-B14F-4D97-AF65-F5344CB8AC3E}">
@@ -7672,55 +7427,6 @@
           </a:p>
         </p:txBody>
       </p:sp>
-      <p:sp>
-        <p:nvSpPr>
-          <p:cNvPr id="3" name="Rectangle 2">
-            <a:extLst>
-              <a:ext uri="{FF2B5EF4-FFF2-40B4-BE49-F238E27FC236}">
-                <a16:creationId xmlns:a16="http://schemas.microsoft.com/office/drawing/2014/main" id="{C2DF4BED-4C8A-B69E-D31B-6DA625FBF300}"/>
-              </a:ext>
-            </a:extLst>
-          </p:cNvPr>
-          <p:cNvSpPr/>
-          <p:nvPr/>
-        </p:nvSpPr>
-        <p:spPr>
-          <a:xfrm>
-            <a:off x="10218057" y="6357257"/>
-            <a:ext cx="1639163" cy="500743"/>
-          </a:xfrm>
-          <a:prstGeom prst="rect">
-            <a:avLst/>
-          </a:prstGeom>
-          <a:ln>
-            <a:noFill/>
-          </a:ln>
-        </p:spPr>
-        <p:style>
-          <a:lnRef idx="2">
-            <a:schemeClr val="accent1">
-              <a:shade val="15000"/>
-            </a:schemeClr>
-          </a:lnRef>
-          <a:fillRef idx="1">
-            <a:schemeClr val="accent1"/>
-          </a:fillRef>
-          <a:effectRef idx="0">
-            <a:schemeClr val="accent1"/>
-          </a:effectRef>
-          <a:fontRef idx="minor">
-            <a:schemeClr val="lt1"/>
-          </a:fontRef>
-        </p:style>
-        <p:txBody>
-          <a:bodyPr rtlCol="0" anchor="ctr"/>
-          <a:lstStyle/>
-          <a:p>
-            <a:pPr algn="ctr"/>
-            <a:endParaRPr lang="en-US"/>
-          </a:p>
-        </p:txBody>
-      </p:sp>
     </p:spTree>
     <p:extLst>
       <p:ext uri="{BB962C8B-B14F-4D97-AF65-F5344CB8AC3E}">
@@ -7871,55 +7577,6 @@
           </a:p>
         </p:txBody>
       </p:sp>
-      <p:sp>
-        <p:nvSpPr>
-          <p:cNvPr id="3" name="Rectangle 2">
-            <a:extLst>
-              <a:ext uri="{FF2B5EF4-FFF2-40B4-BE49-F238E27FC236}">
-                <a16:creationId xmlns:a16="http://schemas.microsoft.com/office/drawing/2014/main" id="{DA7B769C-4B38-B6D9-47F4-B9BC1F5A00FC}"/>
-              </a:ext>
-            </a:extLst>
-          </p:cNvPr>
-          <p:cNvSpPr/>
-          <p:nvPr/>
-        </p:nvSpPr>
-        <p:spPr>
-          <a:xfrm>
-            <a:off x="10218057" y="6357257"/>
-            <a:ext cx="1639163" cy="500743"/>
-          </a:xfrm>
-          <a:prstGeom prst="rect">
-            <a:avLst/>
-          </a:prstGeom>
-          <a:ln>
-            <a:noFill/>
-          </a:ln>
-        </p:spPr>
-        <p:style>
-          <a:lnRef idx="2">
-            <a:schemeClr val="accent1">
-              <a:shade val="15000"/>
-            </a:schemeClr>
-          </a:lnRef>
-          <a:fillRef idx="1">
-            <a:schemeClr val="accent1"/>
-          </a:fillRef>
-          <a:effectRef idx="0">
-            <a:schemeClr val="accent1"/>
-          </a:effectRef>
-          <a:fontRef idx="minor">
-            <a:schemeClr val="lt1"/>
-          </a:fontRef>
-        </p:style>
-        <p:txBody>
-          <a:bodyPr rtlCol="0" anchor="ctr"/>
-          <a:lstStyle/>
-          <a:p>
-            <a:pPr algn="ctr"/>
-            <a:endParaRPr lang="en-US"/>
-          </a:p>
-        </p:txBody>
-      </p:sp>
     </p:spTree>
     <p:extLst>
       <p:ext uri="{BB962C8B-B14F-4D97-AF65-F5344CB8AC3E}">
@@ -8039,55 +7696,6 @@
           </a:p>
         </p:txBody>
       </p:sp>
-      <p:sp>
-        <p:nvSpPr>
-          <p:cNvPr id="3" name="Rectangle 2">
-            <a:extLst>
-              <a:ext uri="{FF2B5EF4-FFF2-40B4-BE49-F238E27FC236}">
-                <a16:creationId xmlns:a16="http://schemas.microsoft.com/office/drawing/2014/main" id="{C1D75B1E-D4CE-03FF-F4C8-1031E6963E90}"/>
-              </a:ext>
-            </a:extLst>
-          </p:cNvPr>
-          <p:cNvSpPr/>
-          <p:nvPr/>
-        </p:nvSpPr>
-        <p:spPr>
-          <a:xfrm>
-            <a:off x="10218057" y="6357257"/>
-            <a:ext cx="1639163" cy="500743"/>
-          </a:xfrm>
-          <a:prstGeom prst="rect">
-            <a:avLst/>
-          </a:prstGeom>
-          <a:ln>
-            <a:noFill/>
-          </a:ln>
-        </p:spPr>
-        <p:style>
-          <a:lnRef idx="2">
-            <a:schemeClr val="accent1">
-              <a:shade val="15000"/>
-            </a:schemeClr>
-          </a:lnRef>
-          <a:fillRef idx="1">
-            <a:schemeClr val="accent1"/>
-          </a:fillRef>
-          <a:effectRef idx="0">
-            <a:schemeClr val="accent1"/>
-          </a:effectRef>
-          <a:fontRef idx="minor">
-            <a:schemeClr val="lt1"/>
-          </a:fontRef>
-        </p:style>
-        <p:txBody>
-          <a:bodyPr rtlCol="0" anchor="ctr"/>
-          <a:lstStyle/>
-          <a:p>
-            <a:pPr algn="ctr"/>
-            <a:endParaRPr lang="en-US"/>
-          </a:p>
-        </p:txBody>
-      </p:sp>
     </p:spTree>
     <p:extLst>
       <p:ext uri="{BB962C8B-B14F-4D97-AF65-F5344CB8AC3E}">
@@ -8207,55 +7815,6 @@
               <a:latin typeface="Arial" panose="020B0604020202020204" pitchFamily="34" charset="0"/>
               <a:cs typeface="Arial" panose="020B0604020202020204" pitchFamily="34" charset="0"/>
             </a:endParaRPr>
-          </a:p>
-        </p:txBody>
-      </p:sp>
-      <p:sp>
-        <p:nvSpPr>
-          <p:cNvPr id="10" name="Rectangle 9">
-            <a:extLst>
-              <a:ext uri="{FF2B5EF4-FFF2-40B4-BE49-F238E27FC236}">
-                <a16:creationId xmlns:a16="http://schemas.microsoft.com/office/drawing/2014/main" id="{80C59166-8C21-8D47-E00C-5F3DE500845C}"/>
-              </a:ext>
-            </a:extLst>
-          </p:cNvPr>
-          <p:cNvSpPr/>
-          <p:nvPr/>
-        </p:nvSpPr>
-        <p:spPr>
-          <a:xfrm>
-            <a:off x="10218057" y="6357257"/>
-            <a:ext cx="1639163" cy="500743"/>
-          </a:xfrm>
-          <a:prstGeom prst="rect">
-            <a:avLst/>
-          </a:prstGeom>
-          <a:ln>
-            <a:noFill/>
-          </a:ln>
-        </p:spPr>
-        <p:style>
-          <a:lnRef idx="2">
-            <a:schemeClr val="accent1">
-              <a:shade val="15000"/>
-            </a:schemeClr>
-          </a:lnRef>
-          <a:fillRef idx="1">
-            <a:schemeClr val="accent1"/>
-          </a:fillRef>
-          <a:effectRef idx="0">
-            <a:schemeClr val="accent1"/>
-          </a:effectRef>
-          <a:fontRef idx="minor">
-            <a:schemeClr val="lt1"/>
-          </a:fontRef>
-        </p:style>
-        <p:txBody>
-          <a:bodyPr rtlCol="0" anchor="ctr"/>
-          <a:lstStyle/>
-          <a:p>
-            <a:pPr algn="ctr"/>
-            <a:endParaRPr lang="en-US"/>
           </a:p>
         </p:txBody>
       </p:sp>
@@ -8470,55 +8029,6 @@
           </a:p>
         </p:txBody>
       </p:sp>
-      <p:sp>
-        <p:nvSpPr>
-          <p:cNvPr id="8" name="Rectangle 7">
-            <a:extLst>
-              <a:ext uri="{FF2B5EF4-FFF2-40B4-BE49-F238E27FC236}">
-                <a16:creationId xmlns:a16="http://schemas.microsoft.com/office/drawing/2014/main" id="{26996361-8A4B-DC06-A9FC-0FC7EA697B3F}"/>
-              </a:ext>
-            </a:extLst>
-          </p:cNvPr>
-          <p:cNvSpPr/>
-          <p:nvPr/>
-        </p:nvSpPr>
-        <p:spPr>
-          <a:xfrm>
-            <a:off x="10218057" y="6357257"/>
-            <a:ext cx="1639163" cy="500743"/>
-          </a:xfrm>
-          <a:prstGeom prst="rect">
-            <a:avLst/>
-          </a:prstGeom>
-          <a:ln>
-            <a:noFill/>
-          </a:ln>
-        </p:spPr>
-        <p:style>
-          <a:lnRef idx="2">
-            <a:schemeClr val="accent1">
-              <a:shade val="15000"/>
-            </a:schemeClr>
-          </a:lnRef>
-          <a:fillRef idx="1">
-            <a:schemeClr val="accent1"/>
-          </a:fillRef>
-          <a:effectRef idx="0">
-            <a:schemeClr val="accent1"/>
-          </a:effectRef>
-          <a:fontRef idx="minor">
-            <a:schemeClr val="lt1"/>
-          </a:fontRef>
-        </p:style>
-        <p:txBody>
-          <a:bodyPr rtlCol="0" anchor="ctr"/>
-          <a:lstStyle/>
-          <a:p>
-            <a:pPr algn="ctr"/>
-            <a:endParaRPr lang="en-US"/>
-          </a:p>
-        </p:txBody>
-      </p:sp>
     </p:spTree>
     <p:extLst>
       <p:ext uri="{BB962C8B-B14F-4D97-AF65-F5344CB8AC3E}">
@@ -8637,55 +8147,6 @@
               <a:latin typeface="Arial" panose="020B0604020202020204" pitchFamily="34" charset="0"/>
               <a:cs typeface="Arial" panose="020B0604020202020204" pitchFamily="34" charset="0"/>
             </a:endParaRPr>
-          </a:p>
-        </p:txBody>
-      </p:sp>
-      <p:sp>
-        <p:nvSpPr>
-          <p:cNvPr id="3" name="Rectangle 2">
-            <a:extLst>
-              <a:ext uri="{FF2B5EF4-FFF2-40B4-BE49-F238E27FC236}">
-                <a16:creationId xmlns:a16="http://schemas.microsoft.com/office/drawing/2014/main" id="{9823BA26-34A0-865C-F335-79F90F1B41FF}"/>
-              </a:ext>
-            </a:extLst>
-          </p:cNvPr>
-          <p:cNvSpPr/>
-          <p:nvPr/>
-        </p:nvSpPr>
-        <p:spPr>
-          <a:xfrm>
-            <a:off x="10218057" y="6357257"/>
-            <a:ext cx="1639163" cy="500743"/>
-          </a:xfrm>
-          <a:prstGeom prst="rect">
-            <a:avLst/>
-          </a:prstGeom>
-          <a:ln>
-            <a:noFill/>
-          </a:ln>
-        </p:spPr>
-        <p:style>
-          <a:lnRef idx="2">
-            <a:schemeClr val="accent1">
-              <a:shade val="15000"/>
-            </a:schemeClr>
-          </a:lnRef>
-          <a:fillRef idx="1">
-            <a:schemeClr val="accent1"/>
-          </a:fillRef>
-          <a:effectRef idx="0">
-            <a:schemeClr val="accent1"/>
-          </a:effectRef>
-          <a:fontRef idx="minor">
-            <a:schemeClr val="lt1"/>
-          </a:fontRef>
-        </p:style>
-        <p:txBody>
-          <a:bodyPr rtlCol="0" anchor="ctr"/>
-          <a:lstStyle/>
-          <a:p>
-            <a:pPr algn="ctr"/>
-            <a:endParaRPr lang="en-US"/>
           </a:p>
         </p:txBody>
       </p:sp>
@@ -9255,6 +8716,15 @@
 </file>
 
 <file path=customXml/item1.xml><?xml version="1.0" encoding="utf-8"?>
+<?mso-contentType ?>
+<FormTemplates xmlns="http://schemas.microsoft.com/sharepoint/v3/contenttype/forms">
+  <Display>DocumentLibraryForm</Display>
+  <Edit>DocumentLibraryForm</Edit>
+  <New>DocumentLibraryForm</New>
+</FormTemplates>
+</file>
+
+<file path=customXml/item2.xml><?xml version="1.0" encoding="utf-8"?>
 <ct:contentTypeSchema xmlns:ct="http://schemas.microsoft.com/office/2006/metadata/contentType" xmlns:ma="http://schemas.microsoft.com/office/2006/metadata/properties/metaAttributes" ct:_="" ma:_="" ma:contentTypeName="Document" ma:contentTypeID="0x0101000F1872188ABCFC48BECA6C87E8AC3285" ma:contentTypeVersion="17" ma:contentTypeDescription="Create a new document." ma:contentTypeScope="" ma:versionID="55a158675e089c6a85ab0f83b89e1a15">
   <xsd:schema xmlns:xsd="http://www.w3.org/2001/XMLSchema" xmlns:xs="http://www.w3.org/2001/XMLSchema" xmlns:p="http://schemas.microsoft.com/office/2006/metadata/properties" xmlns:ns3="9162bd5b-4ed9-4da3-b376-05204580ba3f" xmlns:ns4="c0fa2617-96bd-425d-8578-e93563fe37c5" targetNamespace="http://schemas.microsoft.com/office/2006/metadata/properties" ma:root="true" ma:fieldsID="b35f082308864fa161c4a0a9eca35eff" ns3:_="" ns4:_="">
     <xsd:import namespace="9162bd5b-4ed9-4da3-b376-05204580ba3f"/>
@@ -9501,15 +8971,6 @@
 </ct:contentTypeSchema>
 </file>
 
-<file path=customXml/item2.xml><?xml version="1.0" encoding="utf-8"?>
-<?mso-contentType ?>
-<FormTemplates xmlns="http://schemas.microsoft.com/sharepoint/v3/contenttype/forms">
-  <Display>DocumentLibraryForm</Display>
-  <Edit>DocumentLibraryForm</Edit>
-  <New>DocumentLibraryForm</New>
-</FormTemplates>
-</file>
-
 <file path=customXml/item3.xml><?xml version="1.0" encoding="utf-8"?>
 <p:properties xmlns:p="http://schemas.microsoft.com/office/2006/metadata/properties" xmlns:xsi="http://www.w3.org/2001/XMLSchema-instance" xmlns:pc="http://schemas.microsoft.com/office/infopath/2007/PartnerControls">
   <documentManagement>
@@ -9520,6 +8981,14 @@
 </file>
 
 <file path=customXml/itemProps1.xml><?xml version="1.0" encoding="utf-8"?>
+<ds:datastoreItem xmlns:ds="http://schemas.openxmlformats.org/officeDocument/2006/customXml" ds:itemID="{927BD4C1-B6B1-4715-ABF9-E660A51A4EA0}">
+  <ds:schemaRefs>
+    <ds:schemaRef ds:uri="http://schemas.microsoft.com/sharepoint/v3/contenttype/forms"/>
+  </ds:schemaRefs>
+</ds:datastoreItem>
+</file>
+
+<file path=customXml/itemProps2.xml><?xml version="1.0" encoding="utf-8"?>
 <ds:datastoreItem xmlns:ds="http://schemas.openxmlformats.org/officeDocument/2006/customXml" ds:itemID="{6E816721-11E4-4989-8472-AB5A7EC20404}">
   <ds:schemaRefs>
     <ds:schemaRef ds:uri="9162bd5b-4ed9-4da3-b376-05204580ba3f"/>
@@ -9534,14 +9003,6 @@
     <ds:schemaRef ds:uri="http://schemas.microsoft.com/office/infopath/2007/PartnerControls"/>
     <ds:schemaRef ds:uri="http://schemas.openxmlformats.org/package/2006/metadata/core-properties"/>
     <ds:schemaRef ds:uri="http://www.w3.org/2001/XMLSchema"/>
-  </ds:schemaRefs>
-</ds:datastoreItem>
-</file>
-
-<file path=customXml/itemProps2.xml><?xml version="1.0" encoding="utf-8"?>
-<ds:datastoreItem xmlns:ds="http://schemas.openxmlformats.org/officeDocument/2006/customXml" ds:itemID="{927BD4C1-B6B1-4715-ABF9-E660A51A4EA0}">
-  <ds:schemaRefs>
-    <ds:schemaRef ds:uri="http://schemas.microsoft.com/sharepoint/v3/contenttype/forms"/>
   </ds:schemaRefs>
 </ds:datastoreItem>
 </file>
